--- a/Multithreaded Sorting Enhancing Performance through Concurrency.pptx
+++ b/Multithreaded Sorting Enhancing Performance through Concurrency.pptx
@@ -7686,146 +7686,9 @@
           </a:blipFill>
         </p:spPr>
       </p:sp>
-      <p:grpSp>
-        <p:nvGrpSpPr>
-          <p:cNvPr name="Group 44" id="44"/>
-          <p:cNvGrpSpPr/>
-          <p:nvPr/>
-        </p:nvGrpSpPr>
-        <p:grpSpPr>
-          <a:xfrm rot="0">
-            <a:off x="966954" y="7610531"/>
-            <a:ext cx="6263916" cy="1809180"/>
-            <a:chOff x="0" y="0"/>
-            <a:chExt cx="4725588" cy="1364871"/>
-          </a:xfrm>
-        </p:grpSpPr>
-        <p:sp>
-          <p:nvSpPr>
-            <p:cNvPr name="Freeform 45" id="45"/>
-            <p:cNvSpPr/>
-            <p:nvPr/>
-          </p:nvSpPr>
-          <p:spPr>
-            <a:xfrm flipH="false" flipV="false" rot="0">
-              <a:off x="0" y="0"/>
-              <a:ext cx="4725588" cy="1364871"/>
-            </a:xfrm>
-            <a:custGeom>
-              <a:avLst/>
-              <a:gdLst/>
-              <a:ahLst/>
-              <a:cxnLst/>
-              <a:rect r="r" b="b" t="t" l="l"/>
-              <a:pathLst>
-                <a:path h="1364871" w="4725588">
-                  <a:moveTo>
-                    <a:pt x="0" y="0"/>
-                  </a:moveTo>
-                  <a:lnTo>
-                    <a:pt x="4725588" y="0"/>
-                  </a:lnTo>
-                  <a:lnTo>
-                    <a:pt x="4725588" y="1364871"/>
-                  </a:lnTo>
-                  <a:lnTo>
-                    <a:pt x="0" y="1364871"/>
-                  </a:lnTo>
-                  <a:close/>
-                </a:path>
-              </a:pathLst>
-            </a:custGeom>
-            <a:solidFill>
-              <a:srgbClr val="C6EAC9"/>
-            </a:solidFill>
-            <a:ln cap="sq">
-              <a:noFill/>
-              <a:prstDash val="sysDot"/>
-              <a:miter/>
-            </a:ln>
-          </p:spPr>
-        </p:sp>
-        <p:sp>
-          <p:nvSpPr>
-            <p:cNvPr name="TextBox 46" id="46"/>
-            <p:cNvSpPr txBox="true"/>
-            <p:nvPr/>
-          </p:nvSpPr>
-          <p:spPr>
-            <a:xfrm>
-              <a:off x="0" y="-38100"/>
-              <a:ext cx="4725588" cy="1402971"/>
-            </a:xfrm>
-            <a:prstGeom prst="rect">
-              <a:avLst/>
-            </a:prstGeom>
-          </p:spPr>
-          <p:txBody>
-            <a:bodyPr anchor="ctr" rtlCol="false" tIns="254000" lIns="254000" bIns="254000" rIns="254000"/>
-            <a:lstStyle/>
-            <a:p>
-              <a:pPr algn="ctr">
-                <a:lnSpc>
-                  <a:spcPts val="2100"/>
-                </a:lnSpc>
-              </a:pPr>
-              <a:r>
-                <a:rPr lang="en-US" sz="1500">
-                  <a:solidFill>
-                    <a:srgbClr val="000000"/>
-                  </a:solidFill>
-                  <a:latin typeface="Lekton Bold"/>
-                </a:rPr>
-                <a:t>Tip:</a:t>
-              </a:r>
-              <a:r>
-                <a:rPr lang="en-US" sz="1500">
-                  <a:solidFill>
-                    <a:srgbClr val="000000"/>
-                  </a:solidFill>
-                  <a:latin typeface="Lekton"/>
-                </a:rPr>
-                <a:t> Use links to go to a different page inside your presentation. </a:t>
-              </a:r>
-            </a:p>
-            <a:p>
-              <a:pPr algn="ctr">
-                <a:lnSpc>
-                  <a:spcPts val="2100"/>
-                </a:lnSpc>
-              </a:pPr>
-            </a:p>
-            <a:p>
-              <a:pPr algn="ctr">
-                <a:lnSpc>
-                  <a:spcPts val="2100"/>
-                </a:lnSpc>
-              </a:pPr>
-              <a:r>
-                <a:rPr lang="en-US" sz="1500">
-                  <a:solidFill>
-                    <a:srgbClr val="000000"/>
-                  </a:solidFill>
-                  <a:latin typeface="Lekton Bold"/>
-                </a:rPr>
-                <a:t>How: </a:t>
-              </a:r>
-              <a:r>
-                <a:rPr lang="en-US" sz="1500">
-                  <a:solidFill>
-                    <a:srgbClr val="000000"/>
-                  </a:solidFill>
-                  <a:latin typeface="Lekton"/>
-                </a:rPr>
-                <a:t>Highlight text, click on the link symbol on the toolbar, and select the page in your presentation you want to connect.</a:t>
-              </a:r>
-            </a:p>
-          </p:txBody>
-        </p:sp>
-      </p:grpSp>
       <p:sp>
         <p:nvSpPr>
-          <p:cNvPr name="Freeform 47" id="47"/>
+          <p:cNvPr name="Freeform 44" id="44"/>
           <p:cNvSpPr/>
           <p:nvPr/>
         </p:nvSpPr>
@@ -10216,30 +10079,82 @@
           <a:chExt cx="0" cy="0"/>
         </a:xfrm>
       </p:grpSpPr>
+      <p:sp>
+        <p:nvSpPr>
+          <p:cNvPr name="Freeform 2" id="2"/>
+          <p:cNvSpPr/>
+          <p:nvPr/>
+        </p:nvSpPr>
+        <p:spPr>
+          <a:xfrm flipH="false" flipV="false" rot="0">
+            <a:off x="1174912" y="3592416"/>
+            <a:ext cx="9784323" cy="6422074"/>
+          </a:xfrm>
+          <a:custGeom>
+            <a:avLst/>
+            <a:gdLst/>
+            <a:ahLst/>
+            <a:cxnLst/>
+            <a:rect r="r" b="b" t="t" l="l"/>
+            <a:pathLst>
+              <a:path h="6422074" w="9784323">
+                <a:moveTo>
+                  <a:pt x="0" y="0"/>
+                </a:moveTo>
+                <a:lnTo>
+                  <a:pt x="9784323" y="0"/>
+                </a:lnTo>
+                <a:lnTo>
+                  <a:pt x="9784323" y="6422074"/>
+                </a:lnTo>
+                <a:lnTo>
+                  <a:pt x="0" y="6422074"/>
+                </a:lnTo>
+                <a:lnTo>
+                  <a:pt x="0" y="0"/>
+                </a:lnTo>
+                <a:close/>
+              </a:path>
+            </a:pathLst>
+          </a:custGeom>
+          <a:blipFill>
+            <a:blip r:embed="rId2">
+              <a:extLst>
+                <a:ext uri="{96DAC541-7B7A-43D3-8B79-37D633B846F1}">
+                  <asvg:svgBlip xmlns:asvg="http://schemas.microsoft.com/office/drawing/2016/SVG/main" r:embed="rId3"/>
+                </a:ext>
+              </a:extLst>
+            </a:blip>
+            <a:stretch>
+              <a:fillRect l="0" t="0" r="0" b="0"/>
+            </a:stretch>
+          </a:blipFill>
+        </p:spPr>
+      </p:sp>
       <p:grpSp>
         <p:nvGrpSpPr>
-          <p:cNvPr name="Group 2" id="2"/>
+          <p:cNvPr name="Group 3" id="3"/>
           <p:cNvGrpSpPr/>
           <p:nvPr/>
         </p:nvGrpSpPr>
         <p:grpSpPr>
           <a:xfrm rot="0">
-            <a:off x="1174912" y="3592416"/>
-            <a:ext cx="9784323" cy="6422074"/>
+            <a:off x="1333206" y="4533227"/>
+            <a:ext cx="9467736" cy="5296406"/>
             <a:chOff x="0" y="0"/>
-            <a:chExt cx="13045764" cy="8562765"/>
+            <a:chExt cx="2493560" cy="1394938"/>
           </a:xfrm>
         </p:grpSpPr>
         <p:sp>
           <p:nvSpPr>
-            <p:cNvPr name="Freeform 3" id="3"/>
+            <p:cNvPr name="Freeform 4" id="4"/>
             <p:cNvSpPr/>
             <p:nvPr/>
           </p:nvSpPr>
           <p:spPr>
             <a:xfrm flipH="false" flipV="false" rot="0">
               <a:off x="0" y="0"/>
-              <a:ext cx="13045764" cy="8562765"/>
+              <a:ext cx="2493560" cy="1394938"/>
             </a:xfrm>
             <a:custGeom>
               <a:avLst/>
@@ -10248,198 +10163,113 @@
               <a:cxnLst/>
               <a:rect r="r" b="b" t="t" l="l"/>
               <a:pathLst>
-                <a:path h="8562765" w="13045764">
+                <a:path h="1394938" w="2493560">
                   <a:moveTo>
                     <a:pt x="0" y="0"/>
                   </a:moveTo>
                   <a:lnTo>
-                    <a:pt x="13045764" y="0"/>
-                  </a:lnTo>
-                  <a:lnTo>
-                    <a:pt x="13045764" y="8562765"/>
-                  </a:lnTo>
-                  <a:lnTo>
-                    <a:pt x="0" y="8562765"/>
-                  </a:lnTo>
-                  <a:lnTo>
-                    <a:pt x="0" y="0"/>
+                    <a:pt x="2493560" y="0"/>
+                  </a:lnTo>
+                  <a:lnTo>
+                    <a:pt x="2493560" y="1394938"/>
+                  </a:lnTo>
+                  <a:lnTo>
+                    <a:pt x="0" y="1394938"/>
                   </a:lnTo>
                   <a:close/>
                 </a:path>
               </a:pathLst>
             </a:custGeom>
-            <a:blipFill>
-              <a:blip r:embed="rId2">
-                <a:extLst>
-                  <a:ext uri="{96DAC541-7B7A-43D3-8B79-37D633B846F1}">
-                    <asvg:svgBlip xmlns:asvg="http://schemas.microsoft.com/office/drawing/2016/SVG/main" r:embed="rId3"/>
-                  </a:ext>
-                </a:extLst>
-              </a:blip>
-              <a:stretch>
-                <a:fillRect l="0" t="0" r="0" b="0"/>
-              </a:stretch>
-            </a:blipFill>
+            <a:solidFill>
+              <a:srgbClr val="C6EAC9"/>
+            </a:solidFill>
           </p:spPr>
         </p:sp>
-        <p:grpSp>
-          <p:nvGrpSpPr>
-            <p:cNvPr name="Group 4" id="4"/>
-            <p:cNvGrpSpPr/>
+        <p:sp>
+          <p:nvSpPr>
+            <p:cNvPr name="TextBox 5" id="5"/>
+            <p:cNvSpPr txBox="true"/>
             <p:nvPr/>
-          </p:nvGrpSpPr>
-          <p:grpSpPr>
-            <a:xfrm rot="0">
-              <a:off x="211058" y="1254415"/>
-              <a:ext cx="12623649" cy="7061875"/>
-              <a:chOff x="0" y="0"/>
-              <a:chExt cx="2493560" cy="1394938"/>
+          </p:nvSpPr>
+          <p:spPr>
+            <a:xfrm>
+              <a:off x="0" y="-171450"/>
+              <a:ext cx="2493560" cy="1566388"/>
             </a:xfrm>
-          </p:grpSpPr>
-          <p:sp>
-            <p:nvSpPr>
-              <p:cNvPr name="Freeform 5" id="5"/>
-              <p:cNvSpPr/>
-              <p:nvPr/>
-            </p:nvSpPr>
-            <p:spPr>
-              <a:xfrm flipH="false" flipV="false" rot="0">
-                <a:off x="0" y="0"/>
-                <a:ext cx="2493560" cy="1394938"/>
-              </a:xfrm>
-              <a:custGeom>
-                <a:avLst/>
-                <a:gdLst/>
-                <a:ahLst/>
-                <a:cxnLst/>
-                <a:rect r="r" b="b" t="t" l="l"/>
-                <a:pathLst>
-                  <a:path h="1394938" w="2493560">
-                    <a:moveTo>
-                      <a:pt x="0" y="0"/>
-                    </a:moveTo>
-                    <a:lnTo>
-                      <a:pt x="2493560" y="0"/>
-                    </a:lnTo>
-                    <a:lnTo>
-                      <a:pt x="2493560" y="1394938"/>
-                    </a:lnTo>
-                    <a:lnTo>
-                      <a:pt x="0" y="1394938"/>
-                    </a:lnTo>
-                    <a:close/>
-                  </a:path>
-                </a:pathLst>
-              </a:custGeom>
-              <a:solidFill>
-                <a:srgbClr val="C6EAC9"/>
-              </a:solidFill>
-            </p:spPr>
-          </p:sp>
-          <p:sp>
-            <p:nvSpPr>
-              <p:cNvPr name="TextBox 6" id="6"/>
-              <p:cNvSpPr txBox="true"/>
-              <p:nvPr/>
-            </p:nvSpPr>
-            <p:spPr>
-              <a:xfrm>
-                <a:off x="0" y="-171450"/>
-                <a:ext cx="2493560" cy="1566388"/>
-              </a:xfrm>
-              <a:prstGeom prst="rect">
-                <a:avLst/>
-              </a:prstGeom>
-            </p:spPr>
-            <p:txBody>
-              <a:bodyPr anchor="ctr" rtlCol="false" tIns="50800" lIns="50800" bIns="50800" rIns="50800"/>
-              <a:lstStyle/>
-              <a:p>
-                <a:pPr algn="just" marL="431801" indent="-215900" lvl="1">
-                  <a:lnSpc>
-                    <a:spcPts val="4000"/>
-                  </a:lnSpc>
-                  <a:buFont typeface="Arial"/>
-                  <a:buChar char="•"/>
-                </a:pPr>
-                <a:r>
-                  <a:rPr lang="en-US" sz="2000">
-                    <a:solidFill>
-                      <a:srgbClr val="000000"/>
-                    </a:solidFill>
-                    <a:latin typeface="Lekton"/>
-                  </a:rPr>
-                  <a:t>C++ Program: Executes each sorting algorithm 100 times.</a:t>
-                </a:r>
-              </a:p>
-              <a:p>
-                <a:pPr algn="just" marL="431801" indent="-215900" lvl="1">
-                  <a:lnSpc>
-                    <a:spcPts val="4000"/>
-                  </a:lnSpc>
-                  <a:buFont typeface="Arial"/>
-                  <a:buChar char="•"/>
-                </a:pPr>
-                <a:r>
-                  <a:rPr lang="en-US" sz="2000">
-                    <a:solidFill>
-                      <a:srgbClr val="000000"/>
-                    </a:solidFill>
-                    <a:latin typeface="Lekton"/>
-                  </a:rPr>
-                  <a:t>Data Set: Uses an array of 10,000 statistically random numbers.</a:t>
-                </a:r>
-              </a:p>
-              <a:p>
-                <a:pPr algn="just" marL="431801" indent="-215900" lvl="1">
-                  <a:lnSpc>
-                    <a:spcPts val="4000"/>
-                  </a:lnSpc>
-                  <a:buFont typeface="Arial"/>
-                  <a:buChar char="•"/>
-                </a:pPr>
-                <a:r>
-                  <a:rPr lang="en-US" sz="2000">
-                    <a:solidFill>
-                      <a:srgbClr val="000000"/>
-                    </a:solidFill>
-                    <a:latin typeface="Lekton"/>
-                  </a:rPr>
-                  <a:t>Multi-Threading Analysis: Measures performance impact when introducing multi-threading.</a:t>
-                </a:r>
-              </a:p>
-              <a:p>
-                <a:pPr algn="just" marL="431801" indent="-215900" lvl="1">
-                  <a:lnSpc>
-                    <a:spcPts val="4000"/>
-                  </a:lnSpc>
-                  <a:buFont typeface="Arial"/>
-                  <a:buChar char="•"/>
-                </a:pPr>
-                <a:r>
-                  <a:rPr lang="en-US" sz="2000">
-                    <a:solidFill>
-                      <a:srgbClr val="000000"/>
-                    </a:solidFill>
-                    <a:latin typeface="Lekton"/>
-                  </a:rPr>
-                  <a:t>Thread Count Exploration: Observes diminishing returns with increased thread usage.</a:t>
-                </a:r>
-              </a:p>
-              <a:p>
-                <a:pPr algn="just">
-                  <a:lnSpc>
-                    <a:spcPts val="4000"/>
-                  </a:lnSpc>
-                </a:pPr>
-              </a:p>
-            </p:txBody>
-          </p:sp>
-        </p:grpSp>
+            <a:prstGeom prst="rect">
+              <a:avLst/>
+            </a:prstGeom>
+          </p:spPr>
+          <p:txBody>
+            <a:bodyPr anchor="ctr" rtlCol="false" tIns="50800" lIns="50800" bIns="50800" rIns="50800"/>
+            <a:lstStyle/>
+            <a:p>
+              <a:pPr algn="just" marL="431801" indent="-215900" lvl="1">
+                <a:lnSpc>
+                  <a:spcPts val="4000"/>
+                </a:lnSpc>
+                <a:buFont typeface="Arial"/>
+                <a:buChar char="•"/>
+              </a:pPr>
+              <a:r>
+                <a:rPr lang="en-US" sz="2000">
+                  <a:solidFill>
+                    <a:srgbClr val="000000"/>
+                  </a:solidFill>
+                  <a:latin typeface="Lekton"/>
+                </a:rPr>
+                <a:t>C++ Program: Executes each sorting algorithm 100 times.</a:t>
+              </a:r>
+            </a:p>
+            <a:p>
+              <a:pPr algn="just" marL="431801" indent="-215900" lvl="1">
+                <a:lnSpc>
+                  <a:spcPts val="4000"/>
+                </a:lnSpc>
+                <a:buFont typeface="Arial"/>
+                <a:buChar char="•"/>
+              </a:pPr>
+              <a:r>
+                <a:rPr lang="en-US" sz="2000">
+                  <a:solidFill>
+                    <a:srgbClr val="000000"/>
+                  </a:solidFill>
+                  <a:latin typeface="Lekton"/>
+                </a:rPr>
+                <a:t>Data Set: Uses an array of 10,000 statistically random numbers.</a:t>
+              </a:r>
+            </a:p>
+            <a:p>
+              <a:pPr algn="just" marL="431801" indent="-215900" lvl="1">
+                <a:lnSpc>
+                  <a:spcPts val="4000"/>
+                </a:lnSpc>
+                <a:buFont typeface="Arial"/>
+                <a:buChar char="•"/>
+              </a:pPr>
+              <a:r>
+                <a:rPr lang="en-US" sz="2000">
+                  <a:solidFill>
+                    <a:srgbClr val="000000"/>
+                  </a:solidFill>
+                  <a:latin typeface="Lekton"/>
+                </a:rPr>
+                <a:t>Multi-Threading Analysis: Measures performance impact when introducing multi-threading.</a:t>
+              </a:r>
+            </a:p>
+            <a:p>
+              <a:pPr algn="just">
+                <a:lnSpc>
+                  <a:spcPts val="4000"/>
+                </a:lnSpc>
+              </a:pPr>
+            </a:p>
+          </p:txBody>
+        </p:sp>
       </p:grpSp>
       <p:grpSp>
         <p:nvGrpSpPr>
-          <p:cNvPr name="Group 7" id="7"/>
+          <p:cNvPr name="Group 6" id="6"/>
           <p:cNvGrpSpPr/>
           <p:nvPr/>
         </p:nvGrpSpPr>
@@ -10453,7 +10283,7 @@
         </p:grpSpPr>
         <p:sp>
           <p:nvSpPr>
-            <p:cNvPr name="Freeform 8" id="8"/>
+            <p:cNvPr name="Freeform 7" id="7"/>
             <p:cNvSpPr/>
             <p:nvPr/>
           </p:nvSpPr>
@@ -10499,7 +10329,7 @@
         </p:sp>
         <p:sp>
           <p:nvSpPr>
-            <p:cNvPr name="Freeform 9" id="9"/>
+            <p:cNvPr name="Freeform 8" id="8"/>
             <p:cNvSpPr/>
             <p:nvPr/>
           </p:nvSpPr>
@@ -10561,7 +10391,7 @@
         </p:sp>
         <p:sp>
           <p:nvSpPr>
-            <p:cNvPr name="Freeform 10" id="10"/>
+            <p:cNvPr name="Freeform 9" id="9"/>
             <p:cNvSpPr/>
             <p:nvPr/>
           </p:nvSpPr>
@@ -10652,7 +10482,7 @@
         </p:sp>
         <p:sp>
           <p:nvSpPr>
-            <p:cNvPr name="Freeform 11" id="11"/>
+            <p:cNvPr name="Freeform 10" id="10"/>
             <p:cNvSpPr/>
             <p:nvPr/>
           </p:nvSpPr>
@@ -10808,7 +10638,7 @@
       </p:grpSp>
       <p:sp>
         <p:nvSpPr>
-          <p:cNvPr name="Freeform 12" id="12"/>
+          <p:cNvPr name="Freeform 11" id="11"/>
           <p:cNvSpPr/>
           <p:nvPr/>
         </p:nvSpPr>
@@ -10860,7 +10690,7 @@
       </p:sp>
       <p:sp>
         <p:nvSpPr>
-          <p:cNvPr name="Freeform 13" id="13"/>
+          <p:cNvPr name="Freeform 12" id="12"/>
           <p:cNvSpPr/>
           <p:nvPr/>
         </p:nvSpPr>
@@ -10912,7 +10742,7 @@
       </p:sp>
       <p:sp>
         <p:nvSpPr>
-          <p:cNvPr name="TextBox 14" id="14"/>
+          <p:cNvPr name="TextBox 13" id="13"/>
           <p:cNvSpPr txBox="true"/>
           <p:nvPr/>
         </p:nvSpPr>
@@ -10950,7 +10780,7 @@
       </p:sp>
       <p:sp>
         <p:nvSpPr>
-          <p:cNvPr name="Freeform 15" id="15"/>
+          <p:cNvPr name="Freeform 14" id="14"/>
           <p:cNvSpPr/>
           <p:nvPr/>
         </p:nvSpPr>
@@ -11555,7 +11385,7 @@
         </p:nvGrpSpPr>
         <p:grpSpPr>
           <a:xfrm rot="0">
-            <a:off x="77853" y="2360427"/>
+            <a:off x="77853" y="2330359"/>
             <a:ext cx="10146439" cy="5566146"/>
             <a:chOff x="0" y="0"/>
             <a:chExt cx="5908040" cy="3241040"/>
@@ -11879,95 +11709,6 @@
         </p:nvGrpSpPr>
         <p:grpSpPr>
           <a:xfrm rot="0">
-            <a:off x="77853" y="5644568"/>
-            <a:ext cx="10146439" cy="3745896"/>
-            <a:chOff x="0" y="0"/>
-            <a:chExt cx="2672313" cy="986574"/>
-          </a:xfrm>
-        </p:grpSpPr>
-        <p:sp>
-          <p:nvSpPr>
-            <p:cNvPr name="Freeform 18" id="18"/>
-            <p:cNvSpPr/>
-            <p:nvPr/>
-          </p:nvSpPr>
-          <p:spPr>
-            <a:xfrm flipH="false" flipV="false" rot="0">
-              <a:off x="0" y="0"/>
-              <a:ext cx="2672313" cy="986574"/>
-            </a:xfrm>
-            <a:custGeom>
-              <a:avLst/>
-              <a:gdLst/>
-              <a:ahLst/>
-              <a:cxnLst/>
-              <a:rect r="r" b="b" t="t" l="l"/>
-              <a:pathLst>
-                <a:path h="986574" w="2672313">
-                  <a:moveTo>
-                    <a:pt x="0" y="0"/>
-                  </a:moveTo>
-                  <a:lnTo>
-                    <a:pt x="2672313" y="0"/>
-                  </a:lnTo>
-                  <a:lnTo>
-                    <a:pt x="2672313" y="986574"/>
-                  </a:lnTo>
-                  <a:lnTo>
-                    <a:pt x="0" y="986574"/>
-                  </a:lnTo>
-                  <a:close/>
-                </a:path>
-              </a:pathLst>
-            </a:custGeom>
-            <a:solidFill>
-              <a:srgbClr val="FFFFFF"/>
-            </a:solidFill>
-            <a:ln w="19050" cap="sq">
-              <a:solidFill>
-                <a:srgbClr val="000000"/>
-              </a:solidFill>
-              <a:prstDash val="solid"/>
-              <a:miter/>
-            </a:ln>
-          </p:spPr>
-        </p:sp>
-        <p:sp>
-          <p:nvSpPr>
-            <p:cNvPr name="TextBox 19" id="19"/>
-            <p:cNvSpPr txBox="true"/>
-            <p:nvPr/>
-          </p:nvSpPr>
-          <p:spPr>
-            <a:xfrm>
-              <a:off x="0" y="-19050"/>
-              <a:ext cx="2672313" cy="1005624"/>
-            </a:xfrm>
-            <a:prstGeom prst="rect">
-              <a:avLst/>
-            </a:prstGeom>
-          </p:spPr>
-          <p:txBody>
-            <a:bodyPr anchor="ctr" rtlCol="false" tIns="50800" lIns="50800" bIns="50800" rIns="50800"/>
-            <a:lstStyle/>
-            <a:p>
-              <a:pPr algn="ctr">
-                <a:lnSpc>
-                  <a:spcPts val="2400"/>
-                </a:lnSpc>
-              </a:pPr>
-            </a:p>
-          </p:txBody>
-        </p:sp>
-      </p:grpSp>
-      <p:grpSp>
-        <p:nvGrpSpPr>
-          <p:cNvPr name="Group 20" id="20"/>
-          <p:cNvGrpSpPr/>
-          <p:nvPr/>
-        </p:nvGrpSpPr>
-        <p:grpSpPr>
-          <a:xfrm rot="0">
             <a:off x="160203" y="4215347"/>
             <a:ext cx="10044630" cy="3086100"/>
             <a:chOff x="0" y="0"/>
@@ -11976,7 +11717,7 @@
         </p:grpSpPr>
         <p:sp>
           <p:nvSpPr>
-            <p:cNvPr name="Freeform 21" id="21"/>
+            <p:cNvPr name="Freeform 18" id="18"/>
             <p:cNvSpPr/>
             <p:nvPr/>
           </p:nvSpPr>
@@ -12016,7 +11757,7 @@
         </p:sp>
         <p:sp>
           <p:nvSpPr>
-            <p:cNvPr name="TextBox 22" id="22"/>
+            <p:cNvPr name="TextBox 19" id="19"/>
             <p:cNvSpPr txBox="true"/>
             <p:nvPr/>
           </p:nvSpPr>
@@ -12044,7 +11785,7 @@
       </p:grpSp>
       <p:grpSp>
         <p:nvGrpSpPr>
-          <p:cNvPr name="Group 23" id="23"/>
+          <p:cNvPr name="Group 20" id="20"/>
           <p:cNvGrpSpPr/>
           <p:nvPr/>
         </p:nvGrpSpPr>
@@ -12058,7 +11799,7 @@
         </p:grpSpPr>
         <p:sp>
           <p:nvSpPr>
-            <p:cNvPr name="Freeform 24" id="24"/>
+            <p:cNvPr name="Freeform 21" id="21"/>
             <p:cNvSpPr/>
             <p:nvPr/>
           </p:nvSpPr>
@@ -12098,7 +11839,7 @@
         </p:sp>
         <p:sp>
           <p:nvSpPr>
-            <p:cNvPr name="TextBox 25" id="25"/>
+            <p:cNvPr name="TextBox 22" id="22"/>
             <p:cNvSpPr txBox="true"/>
             <p:nvPr/>
           </p:nvSpPr>
@@ -12126,14 +11867,14 @@
       </p:grpSp>
       <p:sp>
         <p:nvSpPr>
-          <p:cNvPr name="Freeform 26" id="26"/>
+          <p:cNvPr name="Freeform 23" id="23"/>
           <p:cNvSpPr/>
           <p:nvPr/>
         </p:nvSpPr>
         <p:spPr>
           <a:xfrm flipH="false" flipV="false" rot="0">
-            <a:off x="10530741" y="949855"/>
-            <a:ext cx="7873591" cy="4694713"/>
+            <a:off x="10386738" y="5143500"/>
+            <a:ext cx="7901262" cy="4711213"/>
           </a:xfrm>
           <a:custGeom>
             <a:avLst/>
@@ -12142,18 +11883,18 @@
             <a:cxnLst/>
             <a:rect r="r" b="b" t="t" l="l"/>
             <a:pathLst>
-              <a:path h="4694713" w="7873591">
+              <a:path h="4711213" w="7901262">
                 <a:moveTo>
                   <a:pt x="0" y="0"/>
                 </a:moveTo>
                 <a:lnTo>
-                  <a:pt x="7873591" y="0"/>
+                  <a:pt x="7901262" y="0"/>
                 </a:lnTo>
                 <a:lnTo>
-                  <a:pt x="7873591" y="4694713"/>
+                  <a:pt x="7901262" y="4711213"/>
                 </a:lnTo>
                 <a:lnTo>
-                  <a:pt x="0" y="4694713"/>
+                  <a:pt x="0" y="4711213"/>
                 </a:lnTo>
                 <a:lnTo>
                   <a:pt x="0" y="0"/>
@@ -12172,14 +11913,14 @@
       </p:sp>
       <p:sp>
         <p:nvSpPr>
-          <p:cNvPr name="Freeform 27" id="27"/>
+          <p:cNvPr name="Freeform 24" id="24"/>
           <p:cNvSpPr/>
           <p:nvPr/>
         </p:nvSpPr>
         <p:spPr>
           <a:xfrm flipH="false" flipV="false" rot="0">
-            <a:off x="11369605" y="6016855"/>
-            <a:ext cx="6770493" cy="4183116"/>
+            <a:off x="10397461" y="270168"/>
+            <a:ext cx="7742637" cy="4616631"/>
           </a:xfrm>
           <a:custGeom>
             <a:avLst/>
@@ -12188,18 +11929,18 @@
             <a:cxnLst/>
             <a:rect r="r" b="b" t="t" l="l"/>
             <a:pathLst>
-              <a:path h="4183116" w="6770493">
+              <a:path h="4616631" w="7742637">
                 <a:moveTo>
                   <a:pt x="0" y="0"/>
                 </a:moveTo>
                 <a:lnTo>
-                  <a:pt x="6770494" y="0"/>
+                  <a:pt x="7742638" y="0"/>
                 </a:lnTo>
                 <a:lnTo>
-                  <a:pt x="6770494" y="4183117"/>
+                  <a:pt x="7742638" y="4616630"/>
                 </a:lnTo>
                 <a:lnTo>
-                  <a:pt x="0" y="4183117"/>
+                  <a:pt x="0" y="4616630"/>
                 </a:lnTo>
                 <a:lnTo>
                   <a:pt x="0" y="0"/>
@@ -12218,14 +11959,14 @@
       </p:sp>
       <p:sp>
         <p:nvSpPr>
-          <p:cNvPr name="TextBox 28" id="28"/>
+          <p:cNvPr name="TextBox 25" id="25"/>
           <p:cNvSpPr txBox="true"/>
           <p:nvPr/>
         </p:nvSpPr>
         <p:spPr>
           <a:xfrm rot="0">
-            <a:off x="187152" y="2857973"/>
-            <a:ext cx="9990733" cy="6845379"/>
+            <a:off x="155706" y="2918425"/>
+            <a:ext cx="9990733" cy="4845129"/>
           </a:xfrm>
           <a:prstGeom prst="rect">
             <a:avLst/>
@@ -12237,10 +11978,12 @@
           </a:bodyPr>
           <a:lstStyle/>
           <a:p>
-            <a:pPr>
+            <a:pPr marL="350169" indent="-175085" lvl="1">
               <a:lnSpc>
                 <a:spcPts val="2270"/>
               </a:lnSpc>
+              <a:buFont typeface="Arial"/>
+              <a:buChar char="•"/>
             </a:pPr>
             <a:r>
               <a:rPr lang="en-US" sz="1621">
@@ -12249,21 +11992,16 @@
                 </a:solidFill>
                 <a:latin typeface="Lekton"/>
               </a:rPr>
-              <a:t>Performance Gains in Sorting Algorithms:</a:t>
+              <a:t>Impressive Speed Enhancements:</a:t>
             </a:r>
           </a:p>
           <a:p>
-            <a:pPr>
+            <a:pPr marL="700339" indent="-233446" lvl="2">
               <a:lnSpc>
                 <a:spcPts val="2270"/>
               </a:lnSpc>
-            </a:pPr>
-          </a:p>
-          <a:p>
-            <a:pPr>
-              <a:lnSpc>
-                <a:spcPts val="2270"/>
-              </a:lnSpc>
+              <a:buFont typeface="Arial"/>
+              <a:buChar char="⚬"/>
             </a:pPr>
             <a:r>
               <a:rPr lang="en-US" sz="1621">
@@ -12272,14 +12010,16 @@
                 </a:solidFill>
                 <a:latin typeface="Lekton"/>
               </a:rPr>
-              <a:t>Quick Sort: 71.04% Speed Up</a:t>
+              <a:t>Bubble Sort: 97.40% Faster</a:t>
             </a:r>
           </a:p>
           <a:p>
-            <a:pPr>
+            <a:pPr marL="700339" indent="-233446" lvl="2">
               <a:lnSpc>
                 <a:spcPts val="2270"/>
               </a:lnSpc>
+              <a:buFont typeface="Arial"/>
+              <a:buChar char="⚬"/>
             </a:pPr>
             <a:r>
               <a:rPr lang="en-US" sz="1621">
@@ -12288,14 +12028,16 @@
                 </a:solidFill>
                 <a:latin typeface="Lekton"/>
               </a:rPr>
-              <a:t>Merge Sort: 46.32% Speed Up</a:t>
+              <a:t>Heap Sort: 78.11% Faster</a:t>
             </a:r>
           </a:p>
           <a:p>
-            <a:pPr>
+            <a:pPr marL="700339" indent="-233446" lvl="2">
               <a:lnSpc>
                 <a:spcPts val="2270"/>
               </a:lnSpc>
+              <a:buFont typeface="Arial"/>
+              <a:buChar char="⚬"/>
             </a:pPr>
             <a:r>
               <a:rPr lang="en-US" sz="1621">
@@ -12304,21 +12046,16 @@
                 </a:solidFill>
                 <a:latin typeface="Lekton"/>
               </a:rPr>
-              <a:t>Heap Sort: No Speed Up</a:t>
+              <a:t>C++ Standard Sort: 71.02% Faster</a:t>
             </a:r>
           </a:p>
           <a:p>
-            <a:pPr>
+            <a:pPr marL="700339" indent="-233446" lvl="2">
               <a:lnSpc>
                 <a:spcPts val="2270"/>
               </a:lnSpc>
-            </a:pPr>
-          </a:p>
-          <a:p>
-            <a:pPr>
-              <a:lnSpc>
-                <a:spcPts val="2270"/>
-              </a:lnSpc>
+              <a:buFont typeface="Arial"/>
+              <a:buChar char="⚬"/>
             </a:pPr>
             <a:r>
               <a:rPr lang="en-US" sz="1621">
@@ -12327,14 +12064,16 @@
                 </a:solidFill>
                 <a:latin typeface="Lekton"/>
               </a:rPr>
-              <a:t>Reasons:</a:t>
+              <a:t>Merge Sort: 71.96% Faster</a:t>
             </a:r>
           </a:p>
           <a:p>
-            <a:pPr>
+            <a:pPr marL="350169" indent="-175085" lvl="1">
               <a:lnSpc>
                 <a:spcPts val="2270"/>
               </a:lnSpc>
+              <a:buFont typeface="Arial"/>
+              <a:buChar char="•"/>
             </a:pPr>
             <a:r>
               <a:rPr lang="en-US" sz="1621">
@@ -12343,14 +12082,16 @@
                 </a:solidFill>
                 <a:latin typeface="Lekton"/>
               </a:rPr>
-              <a:t>Limited Parallelization: Heap Sort's algorithmic structure offers fewer opportunities for efficient parallelization compared to Quick and Merge Sort.</a:t>
+              <a:t>Multithreading Impact:</a:t>
             </a:r>
           </a:p>
           <a:p>
-            <a:pPr>
+            <a:pPr marL="700339" indent="-233446" lvl="2">
               <a:lnSpc>
                 <a:spcPts val="2270"/>
               </a:lnSpc>
+              <a:buFont typeface="Arial"/>
+              <a:buChar char="⚬"/>
             </a:pPr>
             <a:r>
               <a:rPr lang="en-US" sz="1621">
@@ -12359,14 +12100,34 @@
                 </a:solidFill>
                 <a:latin typeface="Lekton"/>
               </a:rPr>
-              <a:t>Inherent Sequential Nature: Heap Sort relies on sequential heap operations, making it less amenable to multi-threaded improvements.</a:t>
+              <a:t>Divid</a:t>
             </a:r>
-          </a:p>
-          <a:p>
-            <a:pPr>
+            <a:r>
+              <a:rPr lang="en-US" sz="1621">
+                <a:solidFill>
+                  <a:srgbClr val="000000"/>
+                </a:solidFill>
+                <a:latin typeface="Lekton"/>
+              </a:rPr>
+              <a:t>e &amp; Conquer Algorithms Excel: </a:t>
+            </a:r>
+            <a:r>
+              <a:rPr lang="en-US" sz="1621">
+                <a:solidFill>
+                  <a:srgbClr val="000000"/>
+                </a:solidFill>
+                <a:latin typeface="Lekton"/>
+              </a:rPr>
+              <a:t>Multithreading shows substantial gains in sorting methods that split and merge data.</a:t>
+            </a:r>
+          </a:p>
+          <a:p>
+            <a:pPr marL="700339" indent="-233446" lvl="2">
               <a:lnSpc>
                 <a:spcPts val="2270"/>
               </a:lnSpc>
+              <a:buFont typeface="Arial"/>
+              <a:buChar char="⚬"/>
             </a:pPr>
             <a:r>
               <a:rPr lang="en-US" sz="1621">
@@ -12375,21 +12136,16 @@
                 </a:solidFill>
                 <a:latin typeface="Lekton"/>
               </a:rPr>
-              <a:t>General Fallbacks of Multi-Threading:</a:t>
+              <a:t>Efficient Resource Utilization: Improved performance without linearly increasing resource use.</a:t>
             </a:r>
           </a:p>
           <a:p>
-            <a:pPr>
+            <a:pPr marL="350169" indent="-175085" lvl="1">
               <a:lnSpc>
                 <a:spcPts val="2270"/>
               </a:lnSpc>
-            </a:pPr>
-          </a:p>
-          <a:p>
-            <a:pPr>
-              <a:lnSpc>
-                <a:spcPts val="2270"/>
-              </a:lnSpc>
+              <a:buFont typeface="Arial"/>
+              <a:buChar char="•"/>
             </a:pPr>
             <a:r>
               <a:rPr lang="en-US" sz="1621">
@@ -12398,14 +12154,16 @@
                 </a:solidFill>
                 <a:latin typeface="Lekton"/>
               </a:rPr>
-              <a:t>Thread Management Overhead: Time and resources spent on creating, managing, and terminating threads can outweigh performance benefits.</a:t>
+              <a:t>Innovation in Action:</a:t>
             </a:r>
           </a:p>
           <a:p>
-            <a:pPr>
+            <a:pPr marL="700339" indent="-233446" lvl="2">
               <a:lnSpc>
                 <a:spcPts val="2270"/>
               </a:lnSpc>
+              <a:buFont typeface="Arial"/>
+              <a:buChar char="⚬"/>
             </a:pPr>
             <a:r>
               <a:rPr lang="en-US" sz="1621">
@@ -12414,14 +12172,16 @@
                 </a:solidFill>
                 <a:latin typeface="Lekton"/>
               </a:rPr>
-              <a:t>Synchronization Issues: Thread locking and resource contention can lead to inefficiencies and deadlocks.</a:t>
+              <a:t>Demonstrates the power of parallel computing in traditional algorithms.</a:t>
             </a:r>
           </a:p>
           <a:p>
-            <a:pPr>
+            <a:pPr marL="700339" indent="-233446" lvl="2">
               <a:lnSpc>
                 <a:spcPts val="2270"/>
               </a:lnSpc>
+              <a:buFont typeface="Arial"/>
+              <a:buChar char="⚬"/>
             </a:pPr>
             <a:r>
               <a:rPr lang="en-US" sz="1621">
@@ -12430,21 +12190,16 @@
                 </a:solidFill>
                 <a:latin typeface="Lekton"/>
               </a:rPr>
-              <a:t>Non-Parallelizable Tasks: Some algorithms or tasks inherently do not benefit from parallel execution due to their sequential nature.</a:t>
+              <a:t>Inspires new approaches to algorithm optimization.</a:t>
             </a:r>
           </a:p>
           <a:p>
-            <a:pPr>
+            <a:pPr marL="350169" indent="-175085" lvl="1">
               <a:lnSpc>
                 <a:spcPts val="2270"/>
               </a:lnSpc>
-            </a:pPr>
-          </a:p>
-          <a:p>
-            <a:pPr>
-              <a:lnSpc>
-                <a:spcPts val="2270"/>
-              </a:lnSpc>
+              <a:buFont typeface="Arial"/>
+              <a:buChar char="•"/>
             </a:pPr>
             <a:r>
               <a:rPr lang="en-US" sz="1621">
@@ -12453,14 +12208,16 @@
                 </a:solidFill>
                 <a:latin typeface="Lekton"/>
               </a:rPr>
-              <a:t>Key Takeaway:</a:t>
+              <a:t>Project Insight:</a:t>
             </a:r>
           </a:p>
           <a:p>
-            <a:pPr>
+            <a:pPr marL="700339" indent="-233446" lvl="2">
               <a:lnSpc>
                 <a:spcPts val="2270"/>
               </a:lnSpc>
+              <a:buFont typeface="Arial"/>
+              <a:buChar char="⚬"/>
             </a:pPr>
             <a:r>
               <a:rPr lang="en-US" sz="1621">
@@ -12469,7 +12226,7 @@
                 </a:solidFill>
                 <a:latin typeface="Lekton"/>
               </a:rPr>
-              <a:t>While multi-threading can significantly speed up some algorithms, its effectiveness is highly dependent on the nature of the task and the algorithm's suitability for parallel execution.</a:t>
+              <a:t>Multithreading isn't just a theoretical advantage—it's a practical solution to achieve breakthrough performance in computing tasks.</a:t>
             </a:r>
           </a:p>
           <a:p>
@@ -12483,7 +12240,7 @@
       </p:sp>
       <p:sp>
         <p:nvSpPr>
-          <p:cNvPr name="TextBox 29" id="29"/>
+          <p:cNvPr name="TextBox 26" id="26"/>
           <p:cNvSpPr txBox="true"/>
           <p:nvPr/>
         </p:nvSpPr>
@@ -13448,8 +13205,8 @@
         </p:nvSpPr>
         <p:spPr>
           <a:xfrm rot="0">
-            <a:off x="6641863" y="4350854"/>
-            <a:ext cx="9259663" cy="4578350"/>
+            <a:off x="6641863" y="4306722"/>
+            <a:ext cx="9259663" cy="4666615"/>
           </a:xfrm>
           <a:prstGeom prst="rect">
             <a:avLst/>
@@ -13461,173 +13218,196 @@
           </a:bodyPr>
           <a:lstStyle/>
           <a:p>
-            <a:pPr algn="ctr" marL="431797" indent="-215899" lvl="1">
+            <a:pPr algn="ctr">
               <a:lnSpc>
-                <a:spcPts val="2799"/>
+                <a:spcPts val="2659"/>
               </a:lnSpc>
-              <a:buFont typeface="Arial"/>
-              <a:buChar char="•"/>
             </a:pPr>
             <a:r>
-              <a:rPr lang="en-US" sz="1999">
+              <a:rPr lang="en-US" sz="1899">
                 <a:solidFill>
                   <a:srgbClr val="000000"/>
                 </a:solidFill>
                 <a:latin typeface="Lekton"/>
               </a:rPr>
-              <a:t>Multithreading Benefits:</a:t>
+              <a:t>Performance Enhancement:</a:t>
             </a:r>
           </a:p>
           <a:p>
-            <a:pPr algn="ctr" marL="863595" indent="-287865" lvl="2">
+            <a:pPr algn="ctr">
               <a:lnSpc>
-                <a:spcPts val="2799"/>
+                <a:spcPts val="2659"/>
               </a:lnSpc>
-              <a:buFont typeface="Arial"/>
-              <a:buChar char="⚬"/>
             </a:pPr>
             <a:r>
-              <a:rPr lang="en-US" sz="1999">
+              <a:rPr lang="en-US" sz="1899">
                 <a:solidFill>
                   <a:srgbClr val="000000"/>
                 </a:solidFill>
                 <a:latin typeface="Lekton"/>
               </a:rPr>
-              <a:t>Provides up to 4x performance boost in specific workloads.</a:t>
+              <a:t>Bubble Sort: Improved from 0.232541s to 0.00603821s.</a:t>
             </a:r>
           </a:p>
           <a:p>
-            <a:pPr algn="ctr" marL="863595" indent="-287865" lvl="2">
+            <a:pPr algn="ctr">
               <a:lnSpc>
-                <a:spcPts val="2799"/>
+                <a:spcPts val="2659"/>
               </a:lnSpc>
-              <a:buFont typeface="Arial"/>
-              <a:buChar char="⚬"/>
             </a:pPr>
             <a:r>
-              <a:rPr lang="en-US" sz="1999">
+              <a:rPr lang="en-US" sz="1899">
                 <a:solidFill>
                   <a:srgbClr val="000000"/>
                 </a:solidFill>
                 <a:latin typeface="Lekton"/>
               </a:rPr>
-              <a:t>Increases efficiency without a proportional rise in resource consumption.</a:t>
+              <a:t>Heap Sort: Improved from 0.00179738s to 0.000393358s.</a:t>
             </a:r>
           </a:p>
           <a:p>
-            <a:pPr algn="ctr" marL="431797" indent="-215899" lvl="1">
+            <a:pPr algn="ctr">
               <a:lnSpc>
-                <a:spcPts val="2799"/>
+                <a:spcPts val="2659"/>
               </a:lnSpc>
-              <a:buFont typeface="Arial"/>
-              <a:buChar char="•"/>
             </a:pPr>
             <a:r>
-              <a:rPr lang="en-US" sz="1999">
+              <a:rPr lang="en-US" sz="1899">
                 <a:solidFill>
                   <a:srgbClr val="000000"/>
                 </a:solidFill>
                 <a:latin typeface="Lekton"/>
               </a:rPr>
-              <a:t>Limitations:</a:t>
+              <a:t>C++ Sort: Improved from 0.000713135s to 0.000206649s.</a:t>
             </a:r>
           </a:p>
           <a:p>
-            <a:pPr algn="ctr" marL="863595" indent="-287865" lvl="2">
+            <a:pPr algn="ctr">
               <a:lnSpc>
-                <a:spcPts val="2799"/>
+                <a:spcPts val="2659"/>
               </a:lnSpc>
-              <a:buFont typeface="Arial"/>
-              <a:buChar char="⚬"/>
             </a:pPr>
             <a:r>
-              <a:rPr lang="en-US" sz="1999">
+              <a:rPr lang="en-US" sz="1899">
                 <a:solidFill>
                   <a:srgbClr val="000000"/>
                 </a:solidFill>
                 <a:latin typeface="Lekton"/>
               </a:rPr>
-              <a:t>Not all sorting algorithms benefit equally from parallelization.</a:t>
+              <a:t>Merge Sort: Improved from 0.00141612s to 0.000397101s.</a:t>
             </a:r>
           </a:p>
           <a:p>
-            <a:pPr algn="ctr" marL="863595" indent="-287865" lvl="2">
+            <a:pPr algn="ctr">
               <a:lnSpc>
-                <a:spcPts val="2799"/>
+                <a:spcPts val="2659"/>
               </a:lnSpc>
-              <a:buFont typeface="Arial"/>
-              <a:buChar char="⚬"/>
             </a:pPr>
             <a:r>
-              <a:rPr lang="en-US" sz="1999">
+              <a:rPr lang="en-US" sz="1899">
                 <a:solidFill>
                   <a:srgbClr val="000000"/>
                 </a:solidFill>
                 <a:latin typeface="Lekton"/>
               </a:rPr>
-              <a:t>Algorithmic structure and required procedural steps can limit multithreading effectiveness.</a:t>
+              <a:t>Efficiency Gains:</a:t>
             </a:r>
           </a:p>
           <a:p>
-            <a:pPr algn="ctr" marL="431797" indent="-215899" lvl="1">
+            <a:pPr algn="ctr">
               <a:lnSpc>
-                <a:spcPts val="2799"/>
+                <a:spcPts val="2659"/>
               </a:lnSpc>
-              <a:buFont typeface="Arial"/>
-              <a:buChar char="•"/>
             </a:pPr>
             <a:r>
-              <a:rPr lang="en-US" sz="1999">
+              <a:rPr lang="en-US" sz="1899">
                 <a:solidFill>
                   <a:srgbClr val="000000"/>
                 </a:solidFill>
                 <a:latin typeface="Lekton"/>
               </a:rPr>
-              <a:t>Project Conclusion:</a:t>
+              <a:t>Up to 38x speed improvement (Bubble Sort) with multithreading.</a:t>
             </a:r>
           </a:p>
           <a:p>
-            <a:pPr algn="ctr" marL="863595" indent="-287865" lvl="2">
+            <a:pPr algn="ctr">
               <a:lnSpc>
-                <a:spcPts val="2799"/>
+                <a:spcPts val="2659"/>
               </a:lnSpc>
-              <a:buFont typeface="Arial"/>
-              <a:buChar char="⚬"/>
             </a:pPr>
             <a:r>
-              <a:rPr lang="en-US" sz="1999">
+              <a:rPr lang="en-US" sz="1899">
                 <a:solidFill>
                   <a:srgbClr val="000000"/>
                 </a:solidFill>
                 <a:latin typeface="Lekton"/>
               </a:rPr>
-              <a:t>Multithreading can significantly enhance sorting operations.</a:t>
+              <a:t>Significant efficiency boost without linear increase in resources.</a:t>
             </a:r>
           </a:p>
           <a:p>
-            <a:pPr algn="ctr" marL="863595" indent="-287865" lvl="2">
+            <a:pPr algn="ctr">
               <a:lnSpc>
-                <a:spcPts val="2799"/>
+                <a:spcPts val="2659"/>
               </a:lnSpc>
-              <a:buFont typeface="Arial"/>
-              <a:buChar char="⚬"/>
             </a:pPr>
             <a:r>
-              <a:rPr lang="en-US" sz="1999">
+              <a:rPr lang="en-US" sz="1899">
                 <a:solidFill>
                   <a:srgbClr val="000000"/>
                 </a:solidFill>
                 <a:latin typeface="Lekton"/>
               </a:rPr>
-              <a:t>Its impact varies depending on the algorithm's nature and complexity.</a:t>
+              <a:t>Challenges and Considerations:</a:t>
             </a:r>
           </a:p>
           <a:p>
             <a:pPr algn="ctr">
               <a:lnSpc>
-                <a:spcPts val="2799"/>
+                <a:spcPts val="2659"/>
               </a:lnSpc>
             </a:pPr>
+            <a:r>
+              <a:rPr lang="en-US" sz="1899">
+                <a:solidFill>
+                  <a:srgbClr val="000000"/>
+                </a:solidFill>
+                <a:latin typeface="Lekton"/>
+              </a:rPr>
+              <a:t>Variability: Not all algorithms experience the same level of improvement.</a:t>
+            </a:r>
+          </a:p>
+          <a:p>
+            <a:pPr algn="ctr">
+              <a:lnSpc>
+                <a:spcPts val="2659"/>
+              </a:lnSpc>
+            </a:pPr>
+            <a:r>
+              <a:rPr lang="en-US" sz="1899">
+                <a:solidFill>
+                  <a:srgbClr val="000000"/>
+                </a:solidFill>
+                <a:latin typeface="Lekton"/>
+              </a:rPr>
+              <a:t>Structural Constraints: Algorithm design may limit parallelization benefits.</a:t>
+            </a:r>
+          </a:p>
+          <a:p>
+            <a:pPr algn="ctr">
+              <a:lnSpc>
+                <a:spcPts val="2659"/>
+              </a:lnSpc>
+            </a:pPr>
+            <a:r>
+              <a:rPr lang="en-US" sz="1899">
+                <a:solidFill>
+                  <a:srgbClr val="000000"/>
+                </a:solidFill>
+                <a:latin typeface="Lekton"/>
+              </a:rPr>
+              <a:t>Problems With Small Datasets: When using small data sets multi-threading can actually be slower due to the overhead costs of threads.</a:t>
+            </a:r>
           </a:p>
         </p:txBody>
       </p:sp>

--- a/Multithreaded Sorting Enhancing Performance through Concurrency.pptx
+++ b/Multithreaded Sorting Enhancing Performance through Concurrency.pptx
@@ -13159,261 +13159,9 @@
           </a:blipFill>
         </p:spPr>
       </p:sp>
-      <p:sp>
-        <p:nvSpPr>
-          <p:cNvPr name="TextBox 16" id="16"/>
-          <p:cNvSpPr txBox="true"/>
-          <p:nvPr/>
-        </p:nvSpPr>
-        <p:spPr>
-          <a:xfrm rot="0">
-            <a:off x="1893790" y="1809996"/>
-            <a:ext cx="8786284" cy="1438275"/>
-          </a:xfrm>
-          <a:prstGeom prst="rect">
-            <a:avLst/>
-          </a:prstGeom>
-        </p:spPr>
-        <p:txBody>
-          <a:bodyPr anchor="t" rtlCol="false" tIns="0" lIns="0" bIns="0" rIns="0">
-            <a:spAutoFit/>
-          </a:bodyPr>
-          <a:lstStyle/>
-          <a:p>
-            <a:pPr algn="ctr">
-              <a:lnSpc>
-                <a:spcPts val="11099"/>
-              </a:lnSpc>
-            </a:pPr>
-            <a:r>
-              <a:rPr lang="en-US" sz="9999">
-                <a:solidFill>
-                  <a:srgbClr val="000000"/>
-                </a:solidFill>
-                <a:latin typeface="FS Gravity"/>
-              </a:rPr>
-              <a:t>SUMMARY</a:t>
-            </a:r>
-          </a:p>
-        </p:txBody>
-      </p:sp>
-      <p:sp>
-        <p:nvSpPr>
-          <p:cNvPr name="TextBox 17" id="17"/>
-          <p:cNvSpPr txBox="true"/>
-          <p:nvPr/>
-        </p:nvSpPr>
-        <p:spPr>
-          <a:xfrm rot="0">
-            <a:off x="6641863" y="4306722"/>
-            <a:ext cx="9259663" cy="4666615"/>
-          </a:xfrm>
-          <a:prstGeom prst="rect">
-            <a:avLst/>
-          </a:prstGeom>
-        </p:spPr>
-        <p:txBody>
-          <a:bodyPr anchor="t" rtlCol="false" tIns="0" lIns="0" bIns="0" rIns="0">
-            <a:spAutoFit/>
-          </a:bodyPr>
-          <a:lstStyle/>
-          <a:p>
-            <a:pPr algn="ctr">
-              <a:lnSpc>
-                <a:spcPts val="2659"/>
-              </a:lnSpc>
-            </a:pPr>
-            <a:r>
-              <a:rPr lang="en-US" sz="1899">
-                <a:solidFill>
-                  <a:srgbClr val="000000"/>
-                </a:solidFill>
-                <a:latin typeface="Lekton"/>
-              </a:rPr>
-              <a:t>Performance Enhancement:</a:t>
-            </a:r>
-          </a:p>
-          <a:p>
-            <a:pPr algn="ctr">
-              <a:lnSpc>
-                <a:spcPts val="2659"/>
-              </a:lnSpc>
-            </a:pPr>
-            <a:r>
-              <a:rPr lang="en-US" sz="1899">
-                <a:solidFill>
-                  <a:srgbClr val="000000"/>
-                </a:solidFill>
-                <a:latin typeface="Lekton"/>
-              </a:rPr>
-              <a:t>Bubble Sort: Improved from 0.232541s to 0.00603821s.</a:t>
-            </a:r>
-          </a:p>
-          <a:p>
-            <a:pPr algn="ctr">
-              <a:lnSpc>
-                <a:spcPts val="2659"/>
-              </a:lnSpc>
-            </a:pPr>
-            <a:r>
-              <a:rPr lang="en-US" sz="1899">
-                <a:solidFill>
-                  <a:srgbClr val="000000"/>
-                </a:solidFill>
-                <a:latin typeface="Lekton"/>
-              </a:rPr>
-              <a:t>Heap Sort: Improved from 0.00179738s to 0.000393358s.</a:t>
-            </a:r>
-          </a:p>
-          <a:p>
-            <a:pPr algn="ctr">
-              <a:lnSpc>
-                <a:spcPts val="2659"/>
-              </a:lnSpc>
-            </a:pPr>
-            <a:r>
-              <a:rPr lang="en-US" sz="1899">
-                <a:solidFill>
-                  <a:srgbClr val="000000"/>
-                </a:solidFill>
-                <a:latin typeface="Lekton"/>
-              </a:rPr>
-              <a:t>C++ Sort: Improved from 0.000713135s to 0.000206649s.</a:t>
-            </a:r>
-          </a:p>
-          <a:p>
-            <a:pPr algn="ctr">
-              <a:lnSpc>
-                <a:spcPts val="2659"/>
-              </a:lnSpc>
-            </a:pPr>
-            <a:r>
-              <a:rPr lang="en-US" sz="1899">
-                <a:solidFill>
-                  <a:srgbClr val="000000"/>
-                </a:solidFill>
-                <a:latin typeface="Lekton"/>
-              </a:rPr>
-              <a:t>Merge Sort: Improved from 0.00141612s to 0.000397101s.</a:t>
-            </a:r>
-          </a:p>
-          <a:p>
-            <a:pPr algn="ctr">
-              <a:lnSpc>
-                <a:spcPts val="2659"/>
-              </a:lnSpc>
-            </a:pPr>
-            <a:r>
-              <a:rPr lang="en-US" sz="1899">
-                <a:solidFill>
-                  <a:srgbClr val="000000"/>
-                </a:solidFill>
-                <a:latin typeface="Lekton"/>
-              </a:rPr>
-              <a:t>Efficiency Gains:</a:t>
-            </a:r>
-          </a:p>
-          <a:p>
-            <a:pPr algn="ctr">
-              <a:lnSpc>
-                <a:spcPts val="2659"/>
-              </a:lnSpc>
-            </a:pPr>
-            <a:r>
-              <a:rPr lang="en-US" sz="1899">
-                <a:solidFill>
-                  <a:srgbClr val="000000"/>
-                </a:solidFill>
-                <a:latin typeface="Lekton"/>
-              </a:rPr>
-              <a:t>Up to 38x speed improvement (Bubble Sort) with multithreading.</a:t>
-            </a:r>
-          </a:p>
-          <a:p>
-            <a:pPr algn="ctr">
-              <a:lnSpc>
-                <a:spcPts val="2659"/>
-              </a:lnSpc>
-            </a:pPr>
-            <a:r>
-              <a:rPr lang="en-US" sz="1899">
-                <a:solidFill>
-                  <a:srgbClr val="000000"/>
-                </a:solidFill>
-                <a:latin typeface="Lekton"/>
-              </a:rPr>
-              <a:t>Significant efficiency boost without linear increase in resources.</a:t>
-            </a:r>
-          </a:p>
-          <a:p>
-            <a:pPr algn="ctr">
-              <a:lnSpc>
-                <a:spcPts val="2659"/>
-              </a:lnSpc>
-            </a:pPr>
-            <a:r>
-              <a:rPr lang="en-US" sz="1899">
-                <a:solidFill>
-                  <a:srgbClr val="000000"/>
-                </a:solidFill>
-                <a:latin typeface="Lekton"/>
-              </a:rPr>
-              <a:t>Challenges and Considerations:</a:t>
-            </a:r>
-          </a:p>
-          <a:p>
-            <a:pPr algn="ctr">
-              <a:lnSpc>
-                <a:spcPts val="2659"/>
-              </a:lnSpc>
-            </a:pPr>
-            <a:r>
-              <a:rPr lang="en-US" sz="1899">
-                <a:solidFill>
-                  <a:srgbClr val="000000"/>
-                </a:solidFill>
-                <a:latin typeface="Lekton"/>
-              </a:rPr>
-              <a:t>Variability: Not all algorithms experience the same level of improvement.</a:t>
-            </a:r>
-          </a:p>
-          <a:p>
-            <a:pPr algn="ctr">
-              <a:lnSpc>
-                <a:spcPts val="2659"/>
-              </a:lnSpc>
-            </a:pPr>
-            <a:r>
-              <a:rPr lang="en-US" sz="1899">
-                <a:solidFill>
-                  <a:srgbClr val="000000"/>
-                </a:solidFill>
-                <a:latin typeface="Lekton"/>
-              </a:rPr>
-              <a:t>Structural Constraints: Algorithm design may limit parallelization benefits.</a:t>
-            </a:r>
-          </a:p>
-          <a:p>
-            <a:pPr algn="ctr">
-              <a:lnSpc>
-                <a:spcPts val="2659"/>
-              </a:lnSpc>
-            </a:pPr>
-            <a:r>
-              <a:rPr lang="en-US" sz="1899">
-                <a:solidFill>
-                  <a:srgbClr val="000000"/>
-                </a:solidFill>
-                <a:latin typeface="Lekton"/>
-              </a:rPr>
-              <a:t>Problems With Small Datasets: When using small data sets multi-threading can actually be slower due to the overhead costs of threads.</a:t>
-            </a:r>
-          </a:p>
-        </p:txBody>
-      </p:sp>
       <p:grpSp>
         <p:nvGrpSpPr>
-          <p:cNvPr name="Group 18" id="18"/>
+          <p:cNvPr name="Group 16" id="16"/>
           <p:cNvGrpSpPr/>
           <p:nvPr/>
         </p:nvGrpSpPr>
@@ -13427,7 +13175,7 @@
         </p:grpSpPr>
         <p:sp>
           <p:nvSpPr>
-            <p:cNvPr name="Freeform 19" id="19"/>
+            <p:cNvPr name="Freeform 17" id="17"/>
             <p:cNvSpPr/>
             <p:nvPr/>
           </p:nvSpPr>
@@ -13467,7 +13215,7 @@
         </p:sp>
         <p:sp>
           <p:nvSpPr>
-            <p:cNvPr name="TextBox 20" id="20"/>
+            <p:cNvPr name="TextBox 18" id="18"/>
             <p:cNvSpPr txBox="true"/>
             <p:nvPr/>
           </p:nvSpPr>
@@ -13503,6 +13251,304 @@
           </p:txBody>
         </p:sp>
       </p:grpSp>
+      <p:sp>
+        <p:nvSpPr>
+          <p:cNvPr name="Freeform 19" id="19"/>
+          <p:cNvSpPr/>
+          <p:nvPr/>
+        </p:nvSpPr>
+        <p:spPr>
+          <a:xfrm flipH="false" flipV="false" rot="0">
+            <a:off x="0" y="6449984"/>
+            <a:ext cx="5965840" cy="4018101"/>
+          </a:xfrm>
+          <a:custGeom>
+            <a:avLst/>
+            <a:gdLst/>
+            <a:ahLst/>
+            <a:cxnLst/>
+            <a:rect r="r" b="b" t="t" l="l"/>
+            <a:pathLst>
+              <a:path h="4018101" w="5965840">
+                <a:moveTo>
+                  <a:pt x="0" y="0"/>
+                </a:moveTo>
+                <a:lnTo>
+                  <a:pt x="5965840" y="0"/>
+                </a:lnTo>
+                <a:lnTo>
+                  <a:pt x="5965840" y="4018102"/>
+                </a:lnTo>
+                <a:lnTo>
+                  <a:pt x="0" y="4018102"/>
+                </a:lnTo>
+                <a:lnTo>
+                  <a:pt x="0" y="0"/>
+                </a:lnTo>
+                <a:close/>
+              </a:path>
+            </a:pathLst>
+          </a:custGeom>
+          <a:blipFill>
+            <a:blip r:embed="rId9"/>
+            <a:stretch>
+              <a:fillRect l="0" t="0" r="0" b="0"/>
+            </a:stretch>
+          </a:blipFill>
+        </p:spPr>
+      </p:sp>
+      <p:sp>
+        <p:nvSpPr>
+          <p:cNvPr name="TextBox 20" id="20"/>
+          <p:cNvSpPr txBox="true"/>
+          <p:nvPr/>
+        </p:nvSpPr>
+        <p:spPr>
+          <a:xfrm rot="0">
+            <a:off x="1893790" y="1809996"/>
+            <a:ext cx="8786284" cy="1438275"/>
+          </a:xfrm>
+          <a:prstGeom prst="rect">
+            <a:avLst/>
+          </a:prstGeom>
+        </p:spPr>
+        <p:txBody>
+          <a:bodyPr anchor="t" rtlCol="false" tIns="0" lIns="0" bIns="0" rIns="0">
+            <a:spAutoFit/>
+          </a:bodyPr>
+          <a:lstStyle/>
+          <a:p>
+            <a:pPr algn="ctr">
+              <a:lnSpc>
+                <a:spcPts val="11099"/>
+              </a:lnSpc>
+            </a:pPr>
+            <a:r>
+              <a:rPr lang="en-US" sz="9999">
+                <a:solidFill>
+                  <a:srgbClr val="000000"/>
+                </a:solidFill>
+                <a:latin typeface="FS Gravity"/>
+              </a:rPr>
+              <a:t>SUMMARY</a:t>
+            </a:r>
+          </a:p>
+        </p:txBody>
+      </p:sp>
+      <p:sp>
+        <p:nvSpPr>
+          <p:cNvPr name="TextBox 21" id="21"/>
+          <p:cNvSpPr txBox="true"/>
+          <p:nvPr/>
+        </p:nvSpPr>
+        <p:spPr>
+          <a:xfrm rot="0">
+            <a:off x="6641863" y="4306722"/>
+            <a:ext cx="9259663" cy="4666615"/>
+          </a:xfrm>
+          <a:prstGeom prst="rect">
+            <a:avLst/>
+          </a:prstGeom>
+        </p:spPr>
+        <p:txBody>
+          <a:bodyPr anchor="t" rtlCol="false" tIns="0" lIns="0" bIns="0" rIns="0">
+            <a:spAutoFit/>
+          </a:bodyPr>
+          <a:lstStyle/>
+          <a:p>
+            <a:pPr algn="ctr">
+              <a:lnSpc>
+                <a:spcPts val="2659"/>
+              </a:lnSpc>
+            </a:pPr>
+            <a:r>
+              <a:rPr lang="en-US" sz="1899">
+                <a:solidFill>
+                  <a:srgbClr val="000000"/>
+                </a:solidFill>
+                <a:latin typeface="Lekton"/>
+              </a:rPr>
+              <a:t>Performance Enhancement:</a:t>
+            </a:r>
+          </a:p>
+          <a:p>
+            <a:pPr algn="ctr">
+              <a:lnSpc>
+                <a:spcPts val="2659"/>
+              </a:lnSpc>
+            </a:pPr>
+            <a:r>
+              <a:rPr lang="en-US" sz="1899">
+                <a:solidFill>
+                  <a:srgbClr val="000000"/>
+                </a:solidFill>
+                <a:latin typeface="Lekton"/>
+              </a:rPr>
+              <a:t>Bubble Sort: Improved from 0.232541s to 0.00603821s.</a:t>
+            </a:r>
+          </a:p>
+          <a:p>
+            <a:pPr algn="ctr">
+              <a:lnSpc>
+                <a:spcPts val="2659"/>
+              </a:lnSpc>
+            </a:pPr>
+            <a:r>
+              <a:rPr lang="en-US" sz="1899">
+                <a:solidFill>
+                  <a:srgbClr val="000000"/>
+                </a:solidFill>
+                <a:latin typeface="Lekton"/>
+              </a:rPr>
+              <a:t>Heap Sort: Improved from 0.00179738s to 0.000393358s.</a:t>
+            </a:r>
+          </a:p>
+          <a:p>
+            <a:pPr algn="ctr">
+              <a:lnSpc>
+                <a:spcPts val="2659"/>
+              </a:lnSpc>
+            </a:pPr>
+            <a:r>
+              <a:rPr lang="en-US" sz="1899">
+                <a:solidFill>
+                  <a:srgbClr val="000000"/>
+                </a:solidFill>
+                <a:latin typeface="Lekton"/>
+              </a:rPr>
+              <a:t>C++ Sort: Improved from 0.000713135s to 0.000206649s.</a:t>
+            </a:r>
+          </a:p>
+          <a:p>
+            <a:pPr algn="ctr">
+              <a:lnSpc>
+                <a:spcPts val="2659"/>
+              </a:lnSpc>
+            </a:pPr>
+            <a:r>
+              <a:rPr lang="en-US" sz="1899">
+                <a:solidFill>
+                  <a:srgbClr val="000000"/>
+                </a:solidFill>
+                <a:latin typeface="Lekton"/>
+              </a:rPr>
+              <a:t>Merge Sort: Improved from 0.00141612s to 0.000397101s.</a:t>
+            </a:r>
+          </a:p>
+          <a:p>
+            <a:pPr algn="ctr">
+              <a:lnSpc>
+                <a:spcPts val="2659"/>
+              </a:lnSpc>
+            </a:pPr>
+            <a:r>
+              <a:rPr lang="en-US" sz="1899">
+                <a:solidFill>
+                  <a:srgbClr val="000000"/>
+                </a:solidFill>
+                <a:latin typeface="Lekton"/>
+              </a:rPr>
+              <a:t>Efficiency Gains:</a:t>
+            </a:r>
+          </a:p>
+          <a:p>
+            <a:pPr algn="ctr">
+              <a:lnSpc>
+                <a:spcPts val="2659"/>
+              </a:lnSpc>
+            </a:pPr>
+            <a:r>
+              <a:rPr lang="en-US" sz="1899">
+                <a:solidFill>
+                  <a:srgbClr val="000000"/>
+                </a:solidFill>
+                <a:latin typeface="Lekton"/>
+              </a:rPr>
+              <a:t>Up to 38x speed improvement (Bubble Sort) with multithreading.</a:t>
+            </a:r>
+          </a:p>
+          <a:p>
+            <a:pPr algn="ctr">
+              <a:lnSpc>
+                <a:spcPts val="2659"/>
+              </a:lnSpc>
+            </a:pPr>
+            <a:r>
+              <a:rPr lang="en-US" sz="1899">
+                <a:solidFill>
+                  <a:srgbClr val="000000"/>
+                </a:solidFill>
+                <a:latin typeface="Lekton"/>
+              </a:rPr>
+              <a:t>Significant efficiency boost without linear increase in resources.</a:t>
+            </a:r>
+          </a:p>
+          <a:p>
+            <a:pPr algn="ctr">
+              <a:lnSpc>
+                <a:spcPts val="2659"/>
+              </a:lnSpc>
+            </a:pPr>
+            <a:r>
+              <a:rPr lang="en-US" sz="1899">
+                <a:solidFill>
+                  <a:srgbClr val="000000"/>
+                </a:solidFill>
+                <a:latin typeface="Lekton"/>
+              </a:rPr>
+              <a:t>Challenges and Considerations:</a:t>
+            </a:r>
+          </a:p>
+          <a:p>
+            <a:pPr algn="ctr">
+              <a:lnSpc>
+                <a:spcPts val="2659"/>
+              </a:lnSpc>
+            </a:pPr>
+            <a:r>
+              <a:rPr lang="en-US" sz="1899">
+                <a:solidFill>
+                  <a:srgbClr val="000000"/>
+                </a:solidFill>
+                <a:latin typeface="Lekton"/>
+              </a:rPr>
+              <a:t>Variability: Not all algorithms experience the same level of improvement.</a:t>
+            </a:r>
+          </a:p>
+          <a:p>
+            <a:pPr algn="ctr">
+              <a:lnSpc>
+                <a:spcPts val="2659"/>
+              </a:lnSpc>
+            </a:pPr>
+            <a:r>
+              <a:rPr lang="en-US" sz="1899">
+                <a:solidFill>
+                  <a:srgbClr val="000000"/>
+                </a:solidFill>
+                <a:latin typeface="Lekton"/>
+              </a:rPr>
+              <a:t>Structural Constraints: Algorithm design may limit parallelization benefits.</a:t>
+            </a:r>
+          </a:p>
+          <a:p>
+            <a:pPr algn="ctr">
+              <a:lnSpc>
+                <a:spcPts val="2659"/>
+              </a:lnSpc>
+            </a:pPr>
+            <a:r>
+              <a:rPr lang="en-US" sz="1899">
+                <a:solidFill>
+                  <a:srgbClr val="000000"/>
+                </a:solidFill>
+                <a:latin typeface="Lekton"/>
+              </a:rPr>
+              <a:t>Problems With Small Datasets: When using small data sets multi-threading can actually be slower due to the overhead costs of threads.</a:t>
+            </a:r>
+          </a:p>
+        </p:txBody>
+      </p:sp>
     </p:spTree>
   </p:cSld>
   <p:clrMapOvr>
